--- a/4. NODE/node introduction.pptx
+++ b/4. NODE/node introduction.pptx
@@ -118,6 +118,11 @@
       </a:defRPr>
     </a:lvl9pPr>
   </p:defaultTextStyle>
+  <p:extLst>
+    <p:ext uri="{EFAFB233-063F-42B5-8137-9DF3F51BA10A}">
+      <p15:sldGuideLst xmlns:p15="http://schemas.microsoft.com/office/powerpoint/2012/main"/>
+    </p:ext>
+  </p:extLst>
 </p:presentation>
 </file>
 
@@ -270,7 +275,7 @@
           <a:p>
             <a:fld id="{1FD53A8F-4DF0-4F12-8CB5-019CBBD63B65}" type="datetimeFigureOut">
               <a:rPr lang="en-IN" smtClean="0"/>
-              <a:t>17-02-2021</a:t>
+              <a:t>18-05-2021</a:t>
             </a:fld>
             <a:endParaRPr lang="en-IN"/>
           </a:p>
@@ -473,7 +478,7 @@
           <a:p>
             <a:fld id="{1FD53A8F-4DF0-4F12-8CB5-019CBBD63B65}" type="datetimeFigureOut">
               <a:rPr lang="en-IN" smtClean="0"/>
-              <a:t>17-02-2021</a:t>
+              <a:t>18-05-2021</a:t>
             </a:fld>
             <a:endParaRPr lang="en-IN"/>
           </a:p>
@@ -686,7 +691,7 @@
           <a:p>
             <a:fld id="{1FD53A8F-4DF0-4F12-8CB5-019CBBD63B65}" type="datetimeFigureOut">
               <a:rPr lang="en-IN" smtClean="0"/>
-              <a:t>17-02-2021</a:t>
+              <a:t>18-05-2021</a:t>
             </a:fld>
             <a:endParaRPr lang="en-IN"/>
           </a:p>
@@ -889,7 +894,7 @@
           <a:p>
             <a:fld id="{1FD53A8F-4DF0-4F12-8CB5-019CBBD63B65}" type="datetimeFigureOut">
               <a:rPr lang="en-IN" smtClean="0"/>
-              <a:t>17-02-2021</a:t>
+              <a:t>18-05-2021</a:t>
             </a:fld>
             <a:endParaRPr lang="en-IN"/>
           </a:p>
@@ -1168,7 +1173,7 @@
           <a:p>
             <a:fld id="{1FD53A8F-4DF0-4F12-8CB5-019CBBD63B65}" type="datetimeFigureOut">
               <a:rPr lang="en-IN" smtClean="0"/>
-              <a:t>17-02-2021</a:t>
+              <a:t>18-05-2021</a:t>
             </a:fld>
             <a:endParaRPr lang="en-IN"/>
           </a:p>
@@ -1439,7 +1444,7 @@
           <a:p>
             <a:fld id="{1FD53A8F-4DF0-4F12-8CB5-019CBBD63B65}" type="datetimeFigureOut">
               <a:rPr lang="en-IN" smtClean="0"/>
-              <a:t>17-02-2021</a:t>
+              <a:t>18-05-2021</a:t>
             </a:fld>
             <a:endParaRPr lang="en-IN"/>
           </a:p>
@@ -1857,7 +1862,7 @@
           <a:p>
             <a:fld id="{1FD53A8F-4DF0-4F12-8CB5-019CBBD63B65}" type="datetimeFigureOut">
               <a:rPr lang="en-IN" smtClean="0"/>
-              <a:t>17-02-2021</a:t>
+              <a:t>18-05-2021</a:t>
             </a:fld>
             <a:endParaRPr lang="en-IN"/>
           </a:p>
@@ -2002,7 +2007,7 @@
           <a:p>
             <a:fld id="{1FD53A8F-4DF0-4F12-8CB5-019CBBD63B65}" type="datetimeFigureOut">
               <a:rPr lang="en-IN" smtClean="0"/>
-              <a:t>17-02-2021</a:t>
+              <a:t>18-05-2021</a:t>
             </a:fld>
             <a:endParaRPr lang="en-IN"/>
           </a:p>
@@ -2118,7 +2123,7 @@
           <a:p>
             <a:fld id="{1FD53A8F-4DF0-4F12-8CB5-019CBBD63B65}" type="datetimeFigureOut">
               <a:rPr lang="en-IN" smtClean="0"/>
-              <a:t>17-02-2021</a:t>
+              <a:t>18-05-2021</a:t>
             </a:fld>
             <a:endParaRPr lang="en-IN"/>
           </a:p>
@@ -2434,7 +2439,7 @@
           <a:p>
             <a:fld id="{1FD53A8F-4DF0-4F12-8CB5-019CBBD63B65}" type="datetimeFigureOut">
               <a:rPr lang="en-IN" smtClean="0"/>
-              <a:t>17-02-2021</a:t>
+              <a:t>18-05-2021</a:t>
             </a:fld>
             <a:endParaRPr lang="en-IN"/>
           </a:p>
@@ -2726,7 +2731,7 @@
           <a:p>
             <a:fld id="{1FD53A8F-4DF0-4F12-8CB5-019CBBD63B65}" type="datetimeFigureOut">
               <a:rPr lang="en-IN" smtClean="0"/>
-              <a:t>17-02-2021</a:t>
+              <a:t>18-05-2021</a:t>
             </a:fld>
             <a:endParaRPr lang="en-IN"/>
           </a:p>
@@ -2972,7 +2977,7 @@
           <a:p>
             <a:fld id="{1FD53A8F-4DF0-4F12-8CB5-019CBBD63B65}" type="datetimeFigureOut">
               <a:rPr lang="en-IN" smtClean="0"/>
-              <a:t>17-02-2021</a:t>
+              <a:t>18-05-2021</a:t>
             </a:fld>
             <a:endParaRPr lang="en-IN"/>
           </a:p>
@@ -4092,16 +4097,45 @@
           </p:cNvPicPr>
           <p:nvPr/>
         </p:nvPicPr>
+        <p:blipFill rotWithShape="1">
+          <a:blip r:embed="rId2"/>
+          <a:srcRect t="67869"/>
+          <a:stretch/>
+        </p:blipFill>
+        <p:spPr>
+          <a:xfrm>
+            <a:off x="0" y="4653887"/>
+            <a:ext cx="12192000" cy="2202439"/>
+          </a:xfrm>
+          <a:prstGeom prst="rect">
+            <a:avLst/>
+          </a:prstGeom>
+        </p:spPr>
+      </p:pic>
+      <p:pic>
+        <p:nvPicPr>
+          <p:cNvPr id="4" name="Picture 3">
+            <a:extLst>
+              <a:ext uri="{FF2B5EF4-FFF2-40B4-BE49-F238E27FC236}">
+                <a16:creationId xmlns:a16="http://schemas.microsoft.com/office/drawing/2014/main" id="{6EBE31BF-DCA9-42BE-9BC8-DA6E98E2D423}"/>
+              </a:ext>
+            </a:extLst>
+          </p:cNvPr>
+          <p:cNvPicPr>
+            <a:picLocks noChangeAspect="1"/>
+          </p:cNvPicPr>
+          <p:nvPr/>
+        </p:nvPicPr>
         <p:blipFill>
-          <a:blip r:embed="rId2"/>
+          <a:blip r:embed="rId3"/>
           <a:stretch>
             <a:fillRect/>
           </a:stretch>
         </p:blipFill>
         <p:spPr>
           <a:xfrm>
-            <a:off x="0" y="1673"/>
-            <a:ext cx="12192000" cy="6854653"/>
+            <a:off x="0" y="1014079"/>
+            <a:ext cx="12192000" cy="3492361"/>
           </a:xfrm>
           <a:prstGeom prst="rect">
             <a:avLst/>
